--- a/идея игры.pptx
+++ b/идея игры.pptx
@@ -3363,23 +3363,7 @@
             </a:pPr>
             <a:r>
               <a:rPr lang="ru-RU" dirty="0"/>
-              <a:t>2д Пошаговая </a:t>
-            </a:r>
-            <a:r>
-              <a:rPr lang="en-US" dirty="0"/>
-              <a:t>“</a:t>
-            </a:r>
-            <a:r>
-              <a:rPr lang="ru-RU" dirty="0"/>
-              <a:t>карточная</a:t>
-            </a:r>
-            <a:r>
-              <a:rPr lang="en-US" dirty="0"/>
-              <a:t>”</a:t>
-            </a:r>
-            <a:r>
-              <a:rPr lang="ru-RU" dirty="0"/>
-              <a:t> игра с элементами </a:t>
+              <a:t>2д Пошаговая игра с элементами </a:t>
             </a:r>
             <a:r>
               <a:rPr lang="ru-RU" dirty="0" err="1"/>
@@ -3424,7 +3408,7 @@
             </a:pPr>
             <a:r>
               <a:rPr lang="ru-RU" dirty="0"/>
-              <a:t>У предметов есть свои очки прочности, если они опустятся до нуля то предмет сломается и восстановится только в следующем раунде</a:t>
+              <a:t>Если купить дубликат предмета он улучшится</a:t>
             </a:r>
           </a:p>
           <a:p>
@@ -3434,7 +3418,7 @@
             </a:pPr>
             <a:r>
               <a:rPr lang="ru-RU" dirty="0"/>
-              <a:t>Если купить дубликат предмета он улучшится</a:t>
+              <a:t>Перед ходом игрок выбирает действия для всех своих предметов за очки энергии(действия могут как наносить урон, так и быть уникальными, зависит от предмета)</a:t>
             </a:r>
           </a:p>
           <a:p>
@@ -3444,7 +3428,7 @@
             </a:pPr>
             <a:r>
               <a:rPr lang="ru-RU" dirty="0"/>
-              <a:t>Перед ходом игрок выбирает действия для всех своих предметов за очки энергии(действия могут как наносить урон, так и быть уникальными, зависит от предмета)</a:t>
+              <a:t>Затем начинается ход противника, при этом перед его ходом показывается следующее действие </a:t>
             </a:r>
           </a:p>
           <a:p>
@@ -3454,15 +3438,7 @@
             </a:pPr>
             <a:r>
               <a:rPr lang="ru-RU" dirty="0"/>
-              <a:t>Затем начинается ход противника(</a:t>
-            </a:r>
-            <a:r>
-              <a:rPr lang="ru-RU" dirty="0" err="1"/>
-              <a:t>ов</a:t>
-            </a:r>
-            <a:r>
-              <a:rPr lang="ru-RU" dirty="0"/>
-              <a:t>), они ходят по очереди при этом перед их ходом показывается их действие </a:t>
+              <a:t>Противник атакует игрока и его очки здоровья снижаются</a:t>
             </a:r>
           </a:p>
           <a:p>
@@ -3472,26 +3448,6 @@
             </a:pPr>
             <a:r>
               <a:rPr lang="ru-RU" dirty="0"/>
-              <a:t>Противники могут бить только предметы</a:t>
-            </a:r>
-          </a:p>
-          <a:p>
-            <a:pPr marL="571500" indent="-571500">
-              <a:buFont typeface="Arial" panose="020B0604020202020204" pitchFamily="34" charset="0"/>
-              <a:buChar char="•"/>
-            </a:pPr>
-            <a:r>
-              <a:rPr lang="ru-RU" dirty="0"/>
-              <a:t>Если все предметы сломались то игрок получает урон и сбегает</a:t>
-            </a:r>
-          </a:p>
-          <a:p>
-            <a:pPr marL="571500" indent="-571500">
-              <a:buFont typeface="Arial" panose="020B0604020202020204" pitchFamily="34" charset="0"/>
-              <a:buChar char="•"/>
-            </a:pPr>
-            <a:r>
-              <a:rPr lang="ru-RU" dirty="0"/>
               <a:t>Игрок побеждает если очки здоровья у фигурки противника опустятся до 0</a:t>
             </a:r>
           </a:p>
@@ -3499,6 +3455,12 @@
             <a:r>
               <a:rPr lang="ru-RU" dirty="0"/>
               <a:t>И получает за это деньги, которые может потратить в магазине</a:t>
+            </a:r>
+          </a:p>
+          <a:p>
+            <a:r>
+              <a:rPr lang="ru-RU" dirty="0"/>
+              <a:t>Если здоровье игрока опустилось до 0 то он проигрывает</a:t>
             </a:r>
           </a:p>
         </p:txBody>

--- a/идея игры.pptx
+++ b/идея игры.pptx
@@ -262,7 +262,7 @@
           <a:p>
             <a:fld id="{B961244D-AF7F-4AFD-85CE-3D3596E61EB6}" type="datetimeFigureOut">
               <a:rPr lang="ru-RU" smtClean="0"/>
-              <a:t>01.04.2025</a:t>
+              <a:t>09.04.2025</a:t>
             </a:fld>
             <a:endParaRPr lang="ru-RU"/>
           </a:p>
@@ -460,7 +460,7 @@
           <a:p>
             <a:fld id="{B961244D-AF7F-4AFD-85CE-3D3596E61EB6}" type="datetimeFigureOut">
               <a:rPr lang="ru-RU" smtClean="0"/>
-              <a:t>01.04.2025</a:t>
+              <a:t>09.04.2025</a:t>
             </a:fld>
             <a:endParaRPr lang="ru-RU"/>
           </a:p>
@@ -668,7 +668,7 @@
           <a:p>
             <a:fld id="{B961244D-AF7F-4AFD-85CE-3D3596E61EB6}" type="datetimeFigureOut">
               <a:rPr lang="ru-RU" smtClean="0"/>
-              <a:t>01.04.2025</a:t>
+              <a:t>09.04.2025</a:t>
             </a:fld>
             <a:endParaRPr lang="ru-RU"/>
           </a:p>
@@ -866,7 +866,7 @@
           <a:p>
             <a:fld id="{B961244D-AF7F-4AFD-85CE-3D3596E61EB6}" type="datetimeFigureOut">
               <a:rPr lang="ru-RU" smtClean="0"/>
-              <a:t>01.04.2025</a:t>
+              <a:t>09.04.2025</a:t>
             </a:fld>
             <a:endParaRPr lang="ru-RU"/>
           </a:p>
@@ -1141,7 +1141,7 @@
           <a:p>
             <a:fld id="{B961244D-AF7F-4AFD-85CE-3D3596E61EB6}" type="datetimeFigureOut">
               <a:rPr lang="ru-RU" smtClean="0"/>
-              <a:t>01.04.2025</a:t>
+              <a:t>09.04.2025</a:t>
             </a:fld>
             <a:endParaRPr lang="ru-RU"/>
           </a:p>
@@ -1406,7 +1406,7 @@
           <a:p>
             <a:fld id="{B961244D-AF7F-4AFD-85CE-3D3596E61EB6}" type="datetimeFigureOut">
               <a:rPr lang="ru-RU" smtClean="0"/>
-              <a:t>01.04.2025</a:t>
+              <a:t>09.04.2025</a:t>
             </a:fld>
             <a:endParaRPr lang="ru-RU"/>
           </a:p>
@@ -1818,7 +1818,7 @@
           <a:p>
             <a:fld id="{B961244D-AF7F-4AFD-85CE-3D3596E61EB6}" type="datetimeFigureOut">
               <a:rPr lang="ru-RU" smtClean="0"/>
-              <a:t>01.04.2025</a:t>
+              <a:t>09.04.2025</a:t>
             </a:fld>
             <a:endParaRPr lang="ru-RU"/>
           </a:p>
@@ -1959,7 +1959,7 @@
           <a:p>
             <a:fld id="{B961244D-AF7F-4AFD-85CE-3D3596E61EB6}" type="datetimeFigureOut">
               <a:rPr lang="ru-RU" smtClean="0"/>
-              <a:t>01.04.2025</a:t>
+              <a:t>09.04.2025</a:t>
             </a:fld>
             <a:endParaRPr lang="ru-RU"/>
           </a:p>
@@ -2072,7 +2072,7 @@
           <a:p>
             <a:fld id="{B961244D-AF7F-4AFD-85CE-3D3596E61EB6}" type="datetimeFigureOut">
               <a:rPr lang="ru-RU" smtClean="0"/>
-              <a:t>01.04.2025</a:t>
+              <a:t>09.04.2025</a:t>
             </a:fld>
             <a:endParaRPr lang="ru-RU"/>
           </a:p>
@@ -2383,7 +2383,7 @@
           <a:p>
             <a:fld id="{B961244D-AF7F-4AFD-85CE-3D3596E61EB6}" type="datetimeFigureOut">
               <a:rPr lang="ru-RU" smtClean="0"/>
-              <a:t>01.04.2025</a:t>
+              <a:t>09.04.2025</a:t>
             </a:fld>
             <a:endParaRPr lang="ru-RU"/>
           </a:p>
@@ -2671,7 +2671,7 @@
           <a:p>
             <a:fld id="{B961244D-AF7F-4AFD-85CE-3D3596E61EB6}" type="datetimeFigureOut">
               <a:rPr lang="ru-RU" smtClean="0"/>
-              <a:t>01.04.2025</a:t>
+              <a:t>09.04.2025</a:t>
             </a:fld>
             <a:endParaRPr lang="ru-RU"/>
           </a:p>
@@ -2912,7 +2912,7 @@
           <a:p>
             <a:fld id="{B961244D-AF7F-4AFD-85CE-3D3596E61EB6}" type="datetimeFigureOut">
               <a:rPr lang="ru-RU" smtClean="0"/>
-              <a:t>01.04.2025</a:t>
+              <a:t>09.04.2025</a:t>
             </a:fld>
             <a:endParaRPr lang="ru-RU"/>
           </a:p>
@@ -3363,13 +3363,20 @@
             </a:pPr>
             <a:r>
               <a:rPr lang="ru-RU" dirty="0"/>
-              <a:t>2д Пошаговая игра с элементами </a:t>
-            </a:r>
-            <a:r>
-              <a:rPr lang="ru-RU" dirty="0" err="1"/>
-              <a:t>автобатлера</a:t>
-            </a:r>
-            <a:endParaRPr lang="ru-RU" dirty="0"/>
+              <a:t>2д Игра в жанре </a:t>
+            </a:r>
+            <a:r>
+              <a:rPr lang="ru-RU" dirty="0" err="1">
+                <a:solidFill>
+                  <a:srgbClr val="FF0000"/>
+                </a:solidFill>
+              </a:rPr>
+              <a:t>автобатлер</a:t>
+            </a:r>
+            <a:r>
+              <a:rPr lang="ru-RU" dirty="0"/>
+              <a:t>(битва которой игрок не управляет напрямую)</a:t>
+            </a:r>
           </a:p>
           <a:p>
             <a:pPr marL="571500" indent="-571500">
@@ -3408,7 +3415,22 @@
             </a:pPr>
             <a:r>
               <a:rPr lang="ru-RU" dirty="0"/>
-              <a:t>Если купить дубликат предмета он улучшится</a:t>
+              <a:t>Каждый период времени предметы заряжаются на определенное значение</a:t>
+            </a:r>
+            <a:br>
+              <a:rPr lang="ru-RU" dirty="0"/>
+            </a:br>
+            <a:r>
+              <a:rPr lang="ru-RU" dirty="0"/>
+              <a:t>Когда оно достигает 100% то предмет срабатывает (наносит урон монстру, защищает игрока и </a:t>
+            </a:r>
+            <a:r>
+              <a:rPr lang="ru-RU" dirty="0" err="1"/>
+              <a:t>тд</a:t>
+            </a:r>
+            <a:r>
+              <a:rPr lang="ru-RU" dirty="0"/>
+              <a:t>)</a:t>
             </a:r>
           </a:p>
           <a:p>
@@ -3418,7 +3440,7 @@
             </a:pPr>
             <a:r>
               <a:rPr lang="ru-RU" dirty="0"/>
-              <a:t>Перед ходом игрок выбирает действия для всех своих предметов за очки энергии(действия могут как наносить урон, так и быть уникальными, зависит от предмета)</a:t>
+              <a:t>Монстр также наносит урон игроку каждый интервал времени</a:t>
             </a:r>
           </a:p>
           <a:p>
@@ -3428,17 +3450,7 @@
             </a:pPr>
             <a:r>
               <a:rPr lang="ru-RU" dirty="0"/>
-              <a:t>Затем начинается ход противника, при этом перед его ходом показывается следующее действие </a:t>
-            </a:r>
-          </a:p>
-          <a:p>
-            <a:pPr marL="571500" indent="-571500">
-              <a:buFont typeface="Arial" panose="020B0604020202020204" pitchFamily="34" charset="0"/>
-              <a:buChar char="•"/>
-            </a:pPr>
-            <a:r>
-              <a:rPr lang="ru-RU" dirty="0"/>
-              <a:t>Противник атакует игрока и его очки здоровья снижаются</a:t>
+              <a:t>Когда противник атакует игрока, его очки здоровья снижаются</a:t>
             </a:r>
           </a:p>
           <a:p>
@@ -3532,10 +3544,10 @@
       </p:sp>
       <p:pic>
         <p:nvPicPr>
-          <p:cNvPr id="9" name="Рисунок 8">
-            <a:extLst>
-              <a:ext uri="{FF2B5EF4-FFF2-40B4-BE49-F238E27FC236}">
-                <a16:creationId xmlns:a16="http://schemas.microsoft.com/office/drawing/2014/main" id="{8510E1B4-68FC-FA24-7D12-DD62FE2CEB8E}"/>
+          <p:cNvPr id="3" name="Рисунок 2">
+            <a:extLst>
+              <a:ext uri="{FF2B5EF4-FFF2-40B4-BE49-F238E27FC236}">
+                <a16:creationId xmlns:a16="http://schemas.microsoft.com/office/drawing/2014/main" id="{403026FB-D06A-B42A-572E-B793D29A54CC}"/>
               </a:ext>
             </a:extLst>
           </p:cNvPr>
@@ -3545,37 +3557,19 @@
           <p:nvPr/>
         </p:nvPicPr>
         <p:blipFill>
-          <a:blip r:embed="rId2">
-            <a:extLst>
-              <a:ext uri="{28A0092B-C50C-407E-A947-70E740481C1C}">
-                <a14:useLocalDpi xmlns:a14="http://schemas.microsoft.com/office/drawing/2010/main" val="0"/>
-              </a:ext>
-            </a:extLst>
-          </a:blip>
+          <a:blip r:embed="rId2"/>
           <a:stretch>
             <a:fillRect/>
           </a:stretch>
         </p:blipFill>
         <p:spPr>
           <a:xfrm>
-            <a:off x="1847887" y="1075711"/>
-            <a:ext cx="7280745" cy="5536400"/>
+            <a:off x="2160256" y="1165358"/>
+            <a:ext cx="6893676" cy="5082715"/>
           </a:xfrm>
           <a:prstGeom prst="rect">
             <a:avLst/>
           </a:prstGeom>
-          <a:ln w="228600" cap="sq" cmpd="thickThin">
-            <a:solidFill>
-              <a:srgbClr val="000000"/>
-            </a:solidFill>
-            <a:prstDash val="solid"/>
-            <a:miter lim="800000"/>
-          </a:ln>
-          <a:effectLst>
-            <a:innerShdw blurRad="76200">
-              <a:srgbClr val="000000"/>
-            </a:innerShdw>
-          </a:effectLst>
         </p:spPr>
       </p:pic>
     </p:spTree>
@@ -3740,12 +3734,57 @@
           <a:chExt cx="0" cy="0"/>
         </a:xfrm>
       </p:grpSpPr>
+      <p:sp>
+        <p:nvSpPr>
+          <p:cNvPr id="4" name="TextBox 3">
+            <a:extLst>
+              <a:ext uri="{FF2B5EF4-FFF2-40B4-BE49-F238E27FC236}">
+                <a16:creationId xmlns:a16="http://schemas.microsoft.com/office/drawing/2014/main" id="{59CEE560-268D-8E87-9C1C-2DCBAAFC8082}"/>
+              </a:ext>
+            </a:extLst>
+          </p:cNvPr>
+          <p:cNvSpPr txBox="1"/>
+          <p:nvPr/>
+        </p:nvSpPr>
+        <p:spPr>
+          <a:xfrm>
+            <a:off x="3211278" y="638549"/>
+            <a:ext cx="5548314" cy="646331"/>
+          </a:xfrm>
+          <a:prstGeom prst="rect">
+            <a:avLst/>
+          </a:prstGeom>
+          <a:noFill/>
+        </p:spPr>
+        <p:txBody>
+          <a:bodyPr wrap="none" rtlCol="0">
+            <a:spAutoFit/>
+          </a:bodyPr>
+          <a:lstStyle/>
+          <a:p>
+            <a:r>
+              <a:rPr lang="ru-RU" dirty="0"/>
+              <a:t>Игры, </a:t>
+            </a:r>
+            <a:r>
+              <a:rPr lang="ru-RU" strike="sngStrike" dirty="0"/>
+              <a:t>из которых буду бессовестно брать механики</a:t>
+            </a:r>
+          </a:p>
+          <a:p>
+            <a:r>
+              <a:rPr lang="ru-RU" dirty="0"/>
+              <a:t>которыми буду вдохновляться</a:t>
+            </a:r>
+          </a:p>
+        </p:txBody>
+      </p:sp>
       <p:pic>
         <p:nvPicPr>
-          <p:cNvPr id="1026" name="Picture 2" descr="Picture background">
-            <a:extLst>
-              <a:ext uri="{FF2B5EF4-FFF2-40B4-BE49-F238E27FC236}">
-                <a16:creationId xmlns:a16="http://schemas.microsoft.com/office/drawing/2014/main" id="{39F93639-A7B9-5FDB-286D-8E6C6CF3A8AA}"/>
+          <p:cNvPr id="2" name="Picture 2">
+            <a:extLst>
+              <a:ext uri="{FF2B5EF4-FFF2-40B4-BE49-F238E27FC236}">
+                <a16:creationId xmlns:a16="http://schemas.microsoft.com/office/drawing/2014/main" id="{CDAA52FB-9814-51C9-872F-1C088AB4AA1C}"/>
               </a:ext>
             </a:extLst>
           </p:cNvPr>
@@ -3769,8 +3808,8 @@
         </p:blipFill>
         <p:spPr bwMode="auto">
           <a:xfrm>
-            <a:off x="791689" y="1657196"/>
-            <a:ext cx="4231322" cy="2383645"/>
+            <a:off x="571637" y="1575937"/>
+            <a:ext cx="4757257" cy="2632349"/>
           </a:xfrm>
           <a:prstGeom prst="rect">
             <a:avLst/>
@@ -3789,141 +3828,32 @@
       </p:pic>
       <p:pic>
         <p:nvPicPr>
-          <p:cNvPr id="1028" name="Picture 4" descr="Picture background">
-            <a:extLst>
-              <a:ext uri="{FF2B5EF4-FFF2-40B4-BE49-F238E27FC236}">
-                <a16:creationId xmlns:a16="http://schemas.microsoft.com/office/drawing/2014/main" id="{6687E044-0322-AEF7-0752-B44F7B02E5C2}"/>
+          <p:cNvPr id="5" name="Рисунок 4">
+            <a:extLst>
+              <a:ext uri="{FF2B5EF4-FFF2-40B4-BE49-F238E27FC236}">
+                <a16:creationId xmlns:a16="http://schemas.microsoft.com/office/drawing/2014/main" id="{343F0A29-BFB8-5EC9-D81E-0794828D3771}"/>
               </a:ext>
             </a:extLst>
           </p:cNvPr>
           <p:cNvPicPr>
-            <a:picLocks noChangeAspect="1" noChangeArrowheads="1"/>
+            <a:picLocks noChangeAspect="1"/>
           </p:cNvPicPr>
           <p:nvPr/>
         </p:nvPicPr>
         <p:blipFill>
-          <a:blip r:embed="rId3">
-            <a:extLst>
-              <a:ext uri="{28A0092B-C50C-407E-A947-70E740481C1C}">
-                <a14:useLocalDpi xmlns:a14="http://schemas.microsoft.com/office/drawing/2010/main" val="0"/>
-              </a:ext>
-            </a:extLst>
-          </a:blip>
-          <a:srcRect/>
+          <a:blip r:embed="rId3"/>
           <a:stretch>
             <a:fillRect/>
           </a:stretch>
         </p:blipFill>
-        <p:spPr bwMode="auto">
+        <p:spPr>
           <a:xfrm>
-            <a:off x="6758964" y="1674005"/>
-            <a:ext cx="4963008" cy="2791692"/>
+            <a:off x="5742693" y="3429000"/>
+            <a:ext cx="5724374" cy="2022156"/>
           </a:xfrm>
           <a:prstGeom prst="rect">
             <a:avLst/>
           </a:prstGeom>
-          <a:noFill/>
-          <a:extLst>
-            <a:ext uri="{909E8E84-426E-40DD-AFC4-6F175D3DCCD1}">
-              <a14:hiddenFill xmlns:a14="http://schemas.microsoft.com/office/drawing/2010/main">
-                <a:solidFill>
-                  <a:srgbClr val="FFFFFF"/>
-                </a:solidFill>
-              </a14:hiddenFill>
-            </a:ext>
-          </a:extLst>
-        </p:spPr>
-      </p:pic>
-      <p:sp>
-        <p:nvSpPr>
-          <p:cNvPr id="4" name="TextBox 3">
-            <a:extLst>
-              <a:ext uri="{FF2B5EF4-FFF2-40B4-BE49-F238E27FC236}">
-                <a16:creationId xmlns:a16="http://schemas.microsoft.com/office/drawing/2014/main" id="{59CEE560-268D-8E87-9C1C-2DCBAAFC8082}"/>
-              </a:ext>
-            </a:extLst>
-          </p:cNvPr>
-          <p:cNvSpPr txBox="1"/>
-          <p:nvPr/>
-        </p:nvSpPr>
-        <p:spPr>
-          <a:xfrm>
-            <a:off x="3211278" y="638549"/>
-            <a:ext cx="5548314" cy="646331"/>
-          </a:xfrm>
-          <a:prstGeom prst="rect">
-            <a:avLst/>
-          </a:prstGeom>
-          <a:noFill/>
-        </p:spPr>
-        <p:txBody>
-          <a:bodyPr wrap="none" rtlCol="0">
-            <a:spAutoFit/>
-          </a:bodyPr>
-          <a:lstStyle/>
-          <a:p>
-            <a:r>
-              <a:rPr lang="ru-RU" dirty="0"/>
-              <a:t>Игры, </a:t>
-            </a:r>
-            <a:r>
-              <a:rPr lang="ru-RU" strike="sngStrike" dirty="0"/>
-              <a:t>из которых буду бессовестно брать механики</a:t>
-            </a:r>
-          </a:p>
-          <a:p>
-            <a:r>
-              <a:rPr lang="ru-RU" dirty="0"/>
-              <a:t>которыми буду вдохновляться</a:t>
-            </a:r>
-          </a:p>
-        </p:txBody>
-      </p:sp>
-      <p:pic>
-        <p:nvPicPr>
-          <p:cNvPr id="2" name="Picture 2">
-            <a:extLst>
-              <a:ext uri="{FF2B5EF4-FFF2-40B4-BE49-F238E27FC236}">
-                <a16:creationId xmlns:a16="http://schemas.microsoft.com/office/drawing/2014/main" id="{CDAA52FB-9814-51C9-872F-1C088AB4AA1C}"/>
-              </a:ext>
-            </a:extLst>
-          </p:cNvPr>
-          <p:cNvPicPr>
-            <a:picLocks noChangeAspect="1" noChangeArrowheads="1"/>
-          </p:cNvPicPr>
-          <p:nvPr/>
-        </p:nvPicPr>
-        <p:blipFill>
-          <a:blip r:embed="rId4">
-            <a:extLst>
-              <a:ext uri="{28A0092B-C50C-407E-A947-70E740481C1C}">
-                <a14:useLocalDpi xmlns:a14="http://schemas.microsoft.com/office/drawing/2010/main" val="0"/>
-              </a:ext>
-            </a:extLst>
-          </a:blip>
-          <a:srcRect/>
-          <a:stretch>
-            <a:fillRect/>
-          </a:stretch>
-        </p:blipFill>
-        <p:spPr bwMode="auto">
-          <a:xfrm>
-            <a:off x="3717371" y="4040841"/>
-            <a:ext cx="4757257" cy="2632349"/>
-          </a:xfrm>
-          <a:prstGeom prst="rect">
-            <a:avLst/>
-          </a:prstGeom>
-          <a:noFill/>
-          <a:extLst>
-            <a:ext uri="{909E8E84-426E-40DD-AFC4-6F175D3DCCD1}">
-              <a14:hiddenFill xmlns:a14="http://schemas.microsoft.com/office/drawing/2010/main">
-                <a:solidFill>
-                  <a:srgbClr val="FFFFFF"/>
-                </a:solidFill>
-              </a14:hiddenFill>
-            </a:ext>
-          </a:extLst>
         </p:spPr>
       </p:pic>
     </p:spTree>
